--- a/分享专利/分享-做一个小游戏.pptx
+++ b/分享专利/分享-做一个小游戏.pptx
@@ -2656,6 +2656,30 @@
           </a:p>
         </p:txBody>
       </p:sp>
+      <p:pic>
+        <p:nvPicPr>
+          <p:cNvPr id="6" name="图片 5"/>
+          <p:cNvPicPr>
+            <a:picLocks noChangeAspect="1"/>
+          </p:cNvPicPr>
+          <p:nvPr/>
+        </p:nvPicPr>
+        <p:blipFill>
+          <a:blip r:embed="rId1"/>
+          <a:stretch>
+            <a:fillRect/>
+          </a:stretch>
+        </p:blipFill>
+        <p:spPr>
+          <a:xfrm>
+            <a:off x="-44450" y="16510"/>
+            <a:ext cx="12280265" cy="6827520"/>
+          </a:xfrm>
+          <a:prstGeom prst="rect">
+            <a:avLst/>
+          </a:prstGeom>
+        </p:spPr>
+      </p:pic>
     </p:spTree>
   </p:cSld>
   <p:clrMapOvr>
